--- a/Academic Files/presentation-1307035-1307046.pptx
+++ b/Academic Files/presentation-1307035-1307046.pptx
@@ -5180,8 +5180,8 @@
         </p:nvSpPr>
         <p:spPr>
           <a:xfrm>
-            <a:off x="614423" y="2200182"/>
-            <a:ext cx="7526533" cy="1169987"/>
+            <a:off x="292608" y="2200182"/>
+            <a:ext cx="8034527" cy="1169987"/>
           </a:xfrm>
         </p:spPr>
         <p:txBody>
@@ -5195,7 +5195,15 @@
                 <a:ea typeface="幼圆" pitchFamily="49" charset="-122"/>
                 <a:cs typeface="+mj-cs"/>
               </a:rPr>
-              <a:t>Study on Paddy </a:t>
+              <a:t>A Study </a:t>
+            </a:r>
+            <a:r>
+              <a:rPr lang="en-US" altLang="zh-CN" kern="1200" dirty="0" smtClean="0">
+                <a:latin typeface="+mn-lt"/>
+                <a:ea typeface="幼圆" pitchFamily="49" charset="-122"/>
+                <a:cs typeface="+mj-cs"/>
+              </a:rPr>
+              <a:t>on Paddy </a:t>
             </a:r>
             <a:r>
               <a:rPr lang="en-US" altLang="zh-CN" kern="1200" dirty="0">
@@ -21085,11 +21093,41 @@
                 <a:tableStyleId>{5C22544A-7EE6-4342-B048-85BDC9FD1C3A}</a:tableStyleId>
               </a:tblPr>
               <a:tblGrid>
-                <a:gridCol w="1202886"/>
-                <a:gridCol w="1202886"/>
-                <a:gridCol w="1202886"/>
-                <a:gridCol w="1202886"/>
-                <a:gridCol w="1202886"/>
+                <a:gridCol w="1202886">
+                  <a:extLst>
+                    <a:ext uri="{9D8B030D-6E8A-4147-A177-3AD203B41FA5}">
+                      <a16:colId xmlns:a16="http://schemas.microsoft.com/office/drawing/2014/main" val="20000"/>
+                    </a:ext>
+                  </a:extLst>
+                </a:gridCol>
+                <a:gridCol w="1202886">
+                  <a:extLst>
+                    <a:ext uri="{9D8B030D-6E8A-4147-A177-3AD203B41FA5}">
+                      <a16:colId xmlns:a16="http://schemas.microsoft.com/office/drawing/2014/main" val="20001"/>
+                    </a:ext>
+                  </a:extLst>
+                </a:gridCol>
+                <a:gridCol w="1202886">
+                  <a:extLst>
+                    <a:ext uri="{9D8B030D-6E8A-4147-A177-3AD203B41FA5}">
+                      <a16:colId xmlns:a16="http://schemas.microsoft.com/office/drawing/2014/main" val="20002"/>
+                    </a:ext>
+                  </a:extLst>
+                </a:gridCol>
+                <a:gridCol w="1202886">
+                  <a:extLst>
+                    <a:ext uri="{9D8B030D-6E8A-4147-A177-3AD203B41FA5}">
+                      <a16:colId xmlns:a16="http://schemas.microsoft.com/office/drawing/2014/main" val="20003"/>
+                    </a:ext>
+                  </a:extLst>
+                </a:gridCol>
+                <a:gridCol w="1202886">
+                  <a:extLst>
+                    <a:ext uri="{9D8B030D-6E8A-4147-A177-3AD203B41FA5}">
+                      <a16:colId xmlns:a16="http://schemas.microsoft.com/office/drawing/2014/main" val="20004"/>
+                    </a:ext>
+                  </a:extLst>
+                </a:gridCol>
               </a:tblGrid>
               <a:tr h="574226">
                 <a:tc>
@@ -21252,6 +21290,11 @@
                   </a:txBody>
                   <a:tcPr marL="68580" marR="68580" marT="0" marB="0" anchor="ctr"/>
                 </a:tc>
+                <a:extLst>
+                  <a:ext uri="{0D108BD9-81ED-4DB2-BD59-A6C34878D82A}">
+                    <a16:rowId xmlns:a16="http://schemas.microsoft.com/office/drawing/2014/main" val="10000"/>
+                  </a:ext>
+                </a:extLst>
               </a:tr>
               <a:tr h="258200">
                 <a:tc rowSpan="5">
@@ -21414,6 +21457,11 @@
                   </a:txBody>
                   <a:tcPr marL="68580" marR="68580" marT="0" marB="0" anchor="ctr"/>
                 </a:tc>
+                <a:extLst>
+                  <a:ext uri="{0D108BD9-81ED-4DB2-BD59-A6C34878D82A}">
+                    <a16:rowId xmlns:a16="http://schemas.microsoft.com/office/drawing/2014/main" val="10001"/>
+                  </a:ext>
+                </a:extLst>
               </a:tr>
               <a:tr h="274337">
                 <a:tc vMerge="1">
@@ -21510,6 +21558,11 @@
                   </a:txBody>
                   <a:tcPr/>
                 </a:tc>
+                <a:extLst>
+                  <a:ext uri="{0D108BD9-81ED-4DB2-BD59-A6C34878D82A}">
+                    <a16:rowId xmlns:a16="http://schemas.microsoft.com/office/drawing/2014/main" val="10002"/>
+                  </a:ext>
+                </a:extLst>
               </a:tr>
               <a:tr h="274337">
                 <a:tc vMerge="1">
@@ -21606,6 +21659,11 @@
                   </a:txBody>
                   <a:tcPr/>
                 </a:tc>
+                <a:extLst>
+                  <a:ext uri="{0D108BD9-81ED-4DB2-BD59-A6C34878D82A}">
+                    <a16:rowId xmlns:a16="http://schemas.microsoft.com/office/drawing/2014/main" val="10003"/>
+                  </a:ext>
+                </a:extLst>
               </a:tr>
               <a:tr h="289803">
                 <a:tc vMerge="1">
@@ -21702,6 +21760,11 @@
                   </a:txBody>
                   <a:tcPr/>
                 </a:tc>
+                <a:extLst>
+                  <a:ext uri="{0D108BD9-81ED-4DB2-BD59-A6C34878D82A}">
+                    <a16:rowId xmlns:a16="http://schemas.microsoft.com/office/drawing/2014/main" val="10004"/>
+                  </a:ext>
+                </a:extLst>
               </a:tr>
               <a:tr h="274337">
                 <a:tc vMerge="1">
@@ -21798,6 +21861,11 @@
                   </a:txBody>
                   <a:tcPr/>
                 </a:tc>
+                <a:extLst>
+                  <a:ext uri="{0D108BD9-81ED-4DB2-BD59-A6C34878D82A}">
+                    <a16:rowId xmlns:a16="http://schemas.microsoft.com/office/drawing/2014/main" val="10005"/>
+                  </a:ext>
+                </a:extLst>
               </a:tr>
               <a:tr h="258200">
                 <a:tc rowSpan="5">
@@ -21938,6 +22006,11 @@
                   </a:txBody>
                   <a:tcPr/>
                 </a:tc>
+                <a:extLst>
+                  <a:ext uri="{0D108BD9-81ED-4DB2-BD59-A6C34878D82A}">
+                    <a16:rowId xmlns:a16="http://schemas.microsoft.com/office/drawing/2014/main" val="10006"/>
+                  </a:ext>
+                </a:extLst>
               </a:tr>
               <a:tr h="274337">
                 <a:tc vMerge="1">
@@ -22034,6 +22107,11 @@
                   </a:txBody>
                   <a:tcPr/>
                 </a:tc>
+                <a:extLst>
+                  <a:ext uri="{0D108BD9-81ED-4DB2-BD59-A6C34878D82A}">
+                    <a16:rowId xmlns:a16="http://schemas.microsoft.com/office/drawing/2014/main" val="10007"/>
+                  </a:ext>
+                </a:extLst>
               </a:tr>
               <a:tr h="274337">
                 <a:tc vMerge="1">
@@ -22130,6 +22208,11 @@
                   </a:txBody>
                   <a:tcPr/>
                 </a:tc>
+                <a:extLst>
+                  <a:ext uri="{0D108BD9-81ED-4DB2-BD59-A6C34878D82A}">
+                    <a16:rowId xmlns:a16="http://schemas.microsoft.com/office/drawing/2014/main" val="10008"/>
+                  </a:ext>
+                </a:extLst>
               </a:tr>
               <a:tr h="274337">
                 <a:tc vMerge="1">
@@ -22226,6 +22309,11 @@
                   </a:txBody>
                   <a:tcPr/>
                 </a:tc>
+                <a:extLst>
+                  <a:ext uri="{0D108BD9-81ED-4DB2-BD59-A6C34878D82A}">
+                    <a16:rowId xmlns:a16="http://schemas.microsoft.com/office/drawing/2014/main" val="10009"/>
+                  </a:ext>
+                </a:extLst>
               </a:tr>
               <a:tr h="274337">
                 <a:tc vMerge="1">
@@ -22322,6 +22410,11 @@
                   </a:txBody>
                   <a:tcPr/>
                 </a:tc>
+                <a:extLst>
+                  <a:ext uri="{0D108BD9-81ED-4DB2-BD59-A6C34878D82A}">
+                    <a16:rowId xmlns:a16="http://schemas.microsoft.com/office/drawing/2014/main" val="10010"/>
+                  </a:ext>
+                </a:extLst>
               </a:tr>
               <a:tr h="258200">
                 <a:tc rowSpan="5">
@@ -22462,6 +22555,11 @@
                   </a:txBody>
                   <a:tcPr/>
                 </a:tc>
+                <a:extLst>
+                  <a:ext uri="{0D108BD9-81ED-4DB2-BD59-A6C34878D82A}">
+                    <a16:rowId xmlns:a16="http://schemas.microsoft.com/office/drawing/2014/main" val="10011"/>
+                  </a:ext>
+                </a:extLst>
               </a:tr>
               <a:tr h="274337">
                 <a:tc vMerge="1">
@@ -22558,6 +22656,11 @@
                   </a:txBody>
                   <a:tcPr/>
                 </a:tc>
+                <a:extLst>
+                  <a:ext uri="{0D108BD9-81ED-4DB2-BD59-A6C34878D82A}">
+                    <a16:rowId xmlns:a16="http://schemas.microsoft.com/office/drawing/2014/main" val="10012"/>
+                  </a:ext>
+                </a:extLst>
               </a:tr>
               <a:tr h="274337">
                 <a:tc vMerge="1">
@@ -22654,6 +22757,11 @@
                   </a:txBody>
                   <a:tcPr/>
                 </a:tc>
+                <a:extLst>
+                  <a:ext uri="{0D108BD9-81ED-4DB2-BD59-A6C34878D82A}">
+                    <a16:rowId xmlns:a16="http://schemas.microsoft.com/office/drawing/2014/main" val="10013"/>
+                  </a:ext>
+                </a:extLst>
               </a:tr>
               <a:tr h="274337">
                 <a:tc vMerge="1">
@@ -22750,6 +22858,11 @@
                   </a:txBody>
                   <a:tcPr/>
                 </a:tc>
+                <a:extLst>
+                  <a:ext uri="{0D108BD9-81ED-4DB2-BD59-A6C34878D82A}">
+                    <a16:rowId xmlns:a16="http://schemas.microsoft.com/office/drawing/2014/main" val="10014"/>
+                  </a:ext>
+                </a:extLst>
               </a:tr>
               <a:tr h="274337">
                 <a:tc vMerge="1">
@@ -22846,6 +22959,11 @@
                   </a:txBody>
                   <a:tcPr/>
                 </a:tc>
+                <a:extLst>
+                  <a:ext uri="{0D108BD9-81ED-4DB2-BD59-A6C34878D82A}">
+                    <a16:rowId xmlns:a16="http://schemas.microsoft.com/office/drawing/2014/main" val="10015"/>
+                  </a:ext>
+                </a:extLst>
               </a:tr>
             </a:tbl>
           </a:graphicData>
